--- a/textbook/파이썬2-2교시.pptx
+++ b/textbook/파이썬2-2교시.pptx
@@ -1,6 +1,6 @@
 
 <file path=ppt/presentation.xml><?xml version="1.0" encoding="utf-8"?>
-<p:presentation xmlns:r="http://schemas.openxmlformats.org/officeDocument/2006/relationships" xmlns:c="http://schemas.openxmlformats.org/drawingml/2006/chart" xmlns:a="http://schemas.openxmlformats.org/drawingml/2006/main" xmlns:dgm="http://schemas.openxmlformats.org/drawingml/2006/diagram" xmlns:dsp="http://schemas.microsoft.com/office/drawing/2008/diagram" xmlns:p="http://schemas.openxmlformats.org/presentationml/2006/main" saveSubsetFonts="1">
+<p:presentation xmlns:a="http://schemas.openxmlformats.org/drawingml/2006/main" xmlns:r="http://schemas.openxmlformats.org/officeDocument/2006/relationships" xmlns:p="http://schemas.openxmlformats.org/presentationml/2006/main" saveSubsetFonts="1">
   <p:sldMasterIdLst>
     <p:sldMasterId id="2147483693" r:id="rId1"/>
   </p:sldMasterIdLst>
@@ -110,6 +110,22 @@
       </a:defRPr>
     </a:lvl9pPr>
   </p:defaultTextStyle>
+  <p:extLst>
+    <p:ext uri="{EFAFB233-063F-42B5-8137-9DF3F51BA10A}">
+      <p15:sldGuideLst xmlns:p15="http://schemas.microsoft.com/office/powerpoint/2012/main">
+        <p15:guide id="1" orient="horz" pos="2159">
+          <p15:clr>
+            <a:srgbClr val="A4A3A4"/>
+          </p15:clr>
+        </p15:guide>
+        <p15:guide id="2" pos="2880">
+          <p15:clr>
+            <a:srgbClr val="A4A3A4"/>
+          </p15:clr>
+        </p15:guide>
+      </p15:sldGuideLst>
+    </p:ext>
+  </p:extLst>
 </p:presentation>
 </file>
 
@@ -307,7 +323,7 @@
           <a:p>
             <a:fld id="{3575F28B-E03B-4F00-AA56-A8AF97DAF43F}" type="datetimeFigureOut">
               <a:rPr lang="ko-KR" altLang="en-US" smtClean="0"/>
-              <a:t>2021-04-10</a:t>
+              <a:t>2021-04-17</a:t>
             </a:fld>
             <a:endParaRPr lang="ko-KR" altLang="en-US"/>
           </a:p>
@@ -660,7 +676,7 @@
           <a:p>
             <a:fld id="{3575F28B-E03B-4F00-AA56-A8AF97DAF43F}" type="datetimeFigureOut">
               <a:rPr lang="ko-KR" altLang="en-US" smtClean="0"/>
-              <a:t>2021-04-10</a:t>
+              <a:t>2021-04-17</a:t>
             </a:fld>
             <a:endParaRPr lang="ko-KR" altLang="en-US"/>
           </a:p>
@@ -835,7 +851,7 @@
           <a:p>
             <a:fld id="{3575F28B-E03B-4F00-AA56-A8AF97DAF43F}" type="datetimeFigureOut">
               <a:rPr lang="ko-KR" altLang="en-US" smtClean="0"/>
-              <a:t>2021-04-10</a:t>
+              <a:t>2021-04-17</a:t>
             </a:fld>
             <a:endParaRPr lang="ko-KR" altLang="en-US"/>
           </a:p>
@@ -948,7 +964,7 @@
           <a:p>
             <a:fld id="{3575F28B-E03B-4F00-AA56-A8AF97DAF43F}" type="datetimeFigureOut">
               <a:rPr lang="ko-KR" altLang="en-US" smtClean="0"/>
-              <a:t>2021-04-10</a:t>
+              <a:t>2021-04-17</a:t>
             </a:fld>
             <a:endParaRPr lang="ko-KR" altLang="en-US"/>
           </a:p>
@@ -1306,7 +1322,7 @@
           <a:p>
             <a:fld id="{3575F28B-E03B-4F00-AA56-A8AF97DAF43F}" type="datetimeFigureOut">
               <a:rPr lang="ko-KR" altLang="en-US" smtClean="0"/>
-              <a:t>2021-04-10</a:t>
+              <a:t>2021-04-17</a:t>
             </a:fld>
             <a:endParaRPr lang="ko-KR" altLang="en-US"/>
           </a:p>
@@ -1571,7 +1587,7 @@
           <a:p>
             <a:fld id="{3575F28B-E03B-4F00-AA56-A8AF97DAF43F}" type="datetimeFigureOut">
               <a:rPr lang="ko-KR" altLang="en-US" smtClean="0"/>
-              <a:t>2021-04-10</a:t>
+              <a:t>2021-04-17</a:t>
             </a:fld>
             <a:endParaRPr lang="ko-KR" altLang="en-US"/>
           </a:p>
@@ -1933,7 +1949,7 @@
           <a:p>
             <a:fld id="{3575F28B-E03B-4F00-AA56-A8AF97DAF43F}" type="datetimeFigureOut">
               <a:rPr lang="ko-KR" altLang="en-US" smtClean="0"/>
-              <a:t>2021-04-10</a:t>
+              <a:t>2021-04-17</a:t>
             </a:fld>
             <a:endParaRPr lang="ko-KR" altLang="en-US"/>
           </a:p>
@@ -2160,7 +2176,7 @@
           <a:p>
             <a:fld id="{3575F28B-E03B-4F00-AA56-A8AF97DAF43F}" type="datetimeFigureOut">
               <a:rPr lang="ko-KR" altLang="en-US" smtClean="0"/>
-              <a:t>2021-04-10</a:t>
+              <a:t>2021-04-17</a:t>
             </a:fld>
             <a:endParaRPr lang="ko-KR" altLang="en-US"/>
           </a:p>
@@ -2250,7 +2266,7 @@
           <a:p>
             <a:fld id="{3575F28B-E03B-4F00-AA56-A8AF97DAF43F}" type="datetimeFigureOut">
               <a:rPr lang="ko-KR" altLang="en-US" smtClean="0"/>
-              <a:t>2021-04-10</a:t>
+              <a:t>2021-04-17</a:t>
             </a:fld>
             <a:endParaRPr lang="ko-KR" altLang="en-US"/>
           </a:p>
@@ -2517,7 +2533,7 @@
           <a:p>
             <a:fld id="{3575F28B-E03B-4F00-AA56-A8AF97DAF43F}" type="datetimeFigureOut">
               <a:rPr lang="ko-KR" altLang="en-US" smtClean="0"/>
-              <a:t>2021-04-10</a:t>
+              <a:t>2021-04-17</a:t>
             </a:fld>
             <a:endParaRPr lang="ko-KR" altLang="en-US"/>
           </a:p>
@@ -2745,7 +2761,7 @@
           <a:p>
             <a:fld id="{3575F28B-E03B-4F00-AA56-A8AF97DAF43F}" type="datetimeFigureOut">
               <a:rPr lang="ko-KR" altLang="en-US" smtClean="0"/>
-              <a:t>2021-04-10</a:t>
+              <a:t>2021-04-17</a:t>
             </a:fld>
             <a:endParaRPr lang="ko-KR" altLang="en-US"/>
           </a:p>
@@ -3244,7 +3260,7 @@
           <a:p>
             <a:fld id="{3575F28B-E03B-4F00-AA56-A8AF97DAF43F}" type="datetimeFigureOut">
               <a:rPr lang="ko-KR" altLang="en-US" smtClean="0"/>
-              <a:t>2021-04-10</a:t>
+              <a:t>2021-04-17</a:t>
             </a:fld>
             <a:endParaRPr lang="ko-KR" altLang="en-US"/>
           </a:p>
@@ -3632,7 +3648,7 @@
 </file>
 
 <file path=ppt/slides/slide1.xml><?xml version="1.0" encoding="utf-8"?>
-<p:sld xmlns:r="http://schemas.openxmlformats.org/officeDocument/2006/relationships" xmlns:c="http://schemas.openxmlformats.org/drawingml/2006/chart" xmlns:a="http://schemas.openxmlformats.org/drawingml/2006/main" xmlns:dgm="http://schemas.openxmlformats.org/drawingml/2006/diagram" xmlns:dsp="http://schemas.microsoft.com/office/drawing/2008/diagram" xmlns:p="http://schemas.openxmlformats.org/presentationml/2006/main">
+<p:sld xmlns:a="http://schemas.openxmlformats.org/drawingml/2006/main" xmlns:r="http://schemas.openxmlformats.org/officeDocument/2006/relationships" xmlns:p="http://schemas.openxmlformats.org/presentationml/2006/main">
   <p:cSld>
     <p:spTree>
       <p:nvGrpSpPr>
@@ -3666,10 +3682,6 @@
             <a:pPr lvl="0">
               <a:defRPr/>
             </a:pPr>
-            <a:r>
-              <a:rPr lang="ko-KR" altLang="en-US"/>
-              <a:t/>
-            </a:r>
             <a:endParaRPr lang="ko-KR" altLang="en-US"/>
           </a:p>
         </p:txBody>
@@ -3681,7 +3693,7 @@
             <a:spLocks noGrp="1"/>
           </p:cNvSpPr>
           <p:nvPr>
-            <p:ph type="ctrTitle" idx="0"/>
+            <p:ph type="ctrTitle"/>
           </p:nvPr>
         </p:nvSpPr>
         <p:spPr/>
@@ -3696,6 +3708,10 @@
               <a:rPr lang="ko-KR" altLang="en-US"/>
               <a:t>와이즈만</a:t>
             </a:r>
+            <a:r>
+              <a:rPr lang="en-US" altLang="ko-KR"/>
+              <a:t/>
+            </a:r>
             <a:br>
               <a:rPr lang="en-US" altLang="ko-KR"/>
             </a:br>
@@ -3707,7 +3723,6 @@
               <a:rPr lang="en-US" altLang="ko-KR"/>
               <a:t>2-2</a:t>
             </a:r>
-            <a:endParaRPr lang="en-US" altLang="ko-KR"/>
           </a:p>
         </p:txBody>
       </p:sp>
@@ -3716,11 +3731,11 @@
   <p:clrMapOvr>
     <a:masterClrMapping/>
   </p:clrMapOvr>
-  <mc:AlternateContent xmlns:mc="http://schemas.openxmlformats.org/markup-compatibility/2006">
-    <mc:Choice xmlns:p14="http://schemas.microsoft.com/office/powerpoint/2010/main" Requires="p14">
-      <p:transition xmlns:mc="http://schemas.openxmlformats.org/markup-compatibility/2006" xmlns:p14="http://schemas.microsoft.com/office/powerpoint/2010/main" mc:Ignorable="p14" p14:dur="500"/>
+  <mc:AlternateContent xmlns:mc="http://schemas.openxmlformats.org/markup-compatibility/2006" xmlns:p14="http://schemas.microsoft.com/office/powerpoint/2010/main">
+    <mc:Choice Requires="p14">
+      <p:transition/>
     </mc:Choice>
-    <mc:Fallback>
+    <mc:Fallback xmlns:dsp="http://schemas.microsoft.com/office/drawing/2008/diagram" xmlns:dgm="http://schemas.openxmlformats.org/drawingml/2006/diagram" xmlns:c="http://schemas.openxmlformats.org/drawingml/2006/chart" xmlns="">
       <p:transition/>
     </mc:Fallback>
   </mc:AlternateContent>
@@ -3735,7 +3750,7 @@
 </file>
 
 <file path=ppt/slides/slide2.xml><?xml version="1.0" encoding="utf-8"?>
-<p:sld xmlns:r="http://schemas.openxmlformats.org/officeDocument/2006/relationships" xmlns:c="http://schemas.openxmlformats.org/drawingml/2006/chart" xmlns:a="http://schemas.openxmlformats.org/drawingml/2006/main" xmlns:dgm="http://schemas.openxmlformats.org/drawingml/2006/diagram" xmlns:dsp="http://schemas.microsoft.com/office/drawing/2008/diagram" xmlns:p="http://schemas.openxmlformats.org/presentationml/2006/main">
+<p:sld xmlns:a="http://schemas.openxmlformats.org/drawingml/2006/main" xmlns:r="http://schemas.openxmlformats.org/officeDocument/2006/relationships" xmlns:p="http://schemas.openxmlformats.org/presentationml/2006/main">
   <p:cSld>
     <p:spTree>
       <p:nvGrpSpPr>
@@ -3758,7 +3773,7 @@
             <a:spLocks noGrp="1"/>
           </p:cNvSpPr>
           <p:nvPr>
-            <p:ph type="title" idx="0"/>
+            <p:ph type="title"/>
           </p:nvPr>
         </p:nvSpPr>
         <p:spPr/>
@@ -3773,7 +3788,6 @@
               <a:rPr lang="ko-KR" altLang="en-US"/>
               <a:t>학습목표</a:t>
             </a:r>
-            <a:endParaRPr lang="ko-KR" altLang="en-US"/>
           </a:p>
         </p:txBody>
       </p:sp>
@@ -3796,38 +3810,47 @@
               <a:defRPr/>
             </a:pPr>
             <a:r>
-              <a:rPr lang="ko-KR" altLang="en-US"/>
+              <a:rPr lang="ko-KR" altLang="en-US" dirty="0"/>
               <a:t>클래스가 무엇인지 이야기 해 본다</a:t>
             </a:r>
             <a:r>
-              <a:rPr lang="en-US" altLang="ko-KR"/>
+              <a:rPr lang="en-US" altLang="ko-KR" dirty="0"/>
               <a:t>.</a:t>
             </a:r>
-            <a:endParaRPr lang="ko-KR" altLang="en-US"/>
+            <a:endParaRPr lang="ko-KR" altLang="en-US" dirty="0"/>
           </a:p>
           <a:p>
             <a:pPr lvl="0">
               <a:defRPr/>
             </a:pPr>
-            <a:r>
-              <a:rPr lang="en-US" altLang="ko-KR"/>
-              <a:t> </a:t>
-            </a:r>
-            <a:r>
-              <a:rPr lang="ko-KR" altLang="en-US"/>
-              <a:t>리스트 메소드에 대해서 알아본다</a:t>
-            </a:r>
-            <a:r>
-              <a:rPr lang="en-US" altLang="ko-KR"/>
-              <a:t>.</a:t>
-            </a:r>
-            <a:endParaRPr lang="en-US" altLang="ko-KR"/>
+            <a:endParaRPr lang="en-US" altLang="ko-KR" dirty="0"/>
           </a:p>
           <a:p>
             <a:pPr lvl="0">
               <a:defRPr/>
             </a:pPr>
-            <a:endParaRPr lang="en-US" altLang="ko-KR"/>
+            <a:r>
+              <a:rPr lang="ko-KR" altLang="en-US" dirty="0" smtClean="0"/>
+              <a:t>리스트 </a:t>
+            </a:r>
+            <a:r>
+              <a:rPr lang="ko-KR" altLang="en-US" dirty="0" err="1"/>
+              <a:t>메소드에</a:t>
+            </a:r>
+            <a:r>
+              <a:rPr lang="ko-KR" altLang="en-US" dirty="0"/>
+              <a:t> 대해서 알아본다</a:t>
+            </a:r>
+            <a:r>
+              <a:rPr lang="en-US" altLang="ko-KR" dirty="0"/>
+              <a:t>.</a:t>
+            </a:r>
+          </a:p>
+          <a:p>
+            <a:pPr lvl="0">
+              <a:defRPr/>
+            </a:pPr>
+            <a:endParaRPr lang="en-US" altLang="ko-KR" dirty="0"/>
           </a:p>
         </p:txBody>
       </p:sp>
@@ -3836,11 +3859,11 @@
   <p:clrMapOvr>
     <a:masterClrMapping/>
   </p:clrMapOvr>
-  <mc:AlternateContent xmlns:mc="http://schemas.openxmlformats.org/markup-compatibility/2006">
-    <mc:Choice xmlns:p14="http://schemas.microsoft.com/office/powerpoint/2010/main" Requires="p14">
-      <p:transition xmlns:mc="http://schemas.openxmlformats.org/markup-compatibility/2006" xmlns:p14="http://schemas.microsoft.com/office/powerpoint/2010/main" mc:Ignorable="p14" p14:dur="500"/>
+  <mc:AlternateContent xmlns:mc="http://schemas.openxmlformats.org/markup-compatibility/2006" xmlns:p14="http://schemas.microsoft.com/office/powerpoint/2010/main">
+    <mc:Choice Requires="p14">
+      <p:transition/>
     </mc:Choice>
-    <mc:Fallback>
+    <mc:Fallback xmlns:dsp="http://schemas.microsoft.com/office/drawing/2008/diagram" xmlns:dgm="http://schemas.openxmlformats.org/drawingml/2006/diagram" xmlns:c="http://schemas.openxmlformats.org/drawingml/2006/chart" xmlns="">
       <p:transition/>
     </mc:Fallback>
   </mc:AlternateContent>
@@ -3855,7 +3878,7 @@
 </file>
 
 <file path=ppt/slides/slide3.xml><?xml version="1.0" encoding="utf-8"?>
-<p:sld xmlns:r="http://schemas.openxmlformats.org/officeDocument/2006/relationships" xmlns:c="http://schemas.openxmlformats.org/drawingml/2006/chart" xmlns:a="http://schemas.openxmlformats.org/drawingml/2006/main" xmlns:dgm="http://schemas.openxmlformats.org/drawingml/2006/diagram" xmlns:dsp="http://schemas.microsoft.com/office/drawing/2008/diagram" xmlns:p="http://schemas.openxmlformats.org/presentationml/2006/main">
+<p:sld xmlns:a="http://schemas.openxmlformats.org/drawingml/2006/main" xmlns:r="http://schemas.openxmlformats.org/officeDocument/2006/relationships" xmlns:p="http://schemas.openxmlformats.org/presentationml/2006/main">
   <p:cSld>
     <p:spTree>
       <p:nvGrpSpPr>
@@ -3878,7 +3901,7 @@
             <a:spLocks noGrp="1"/>
           </p:cNvSpPr>
           <p:nvPr>
-            <p:ph type="title" idx="0"/>
+            <p:ph type="title"/>
           </p:nvPr>
         </p:nvSpPr>
         <p:spPr/>
@@ -3890,18 +3913,17 @@
               <a:defRPr/>
             </a:pPr>
             <a:r>
-              <a:rPr lang="en-US" altLang="ko-KR"/>
+              <a:rPr lang="en-US" altLang="ko-KR" dirty="0"/>
               <a:t>class</a:t>
             </a:r>
             <a:r>
-              <a:rPr lang="ko-KR" altLang="en-US"/>
+              <a:rPr lang="ko-KR" altLang="en-US" dirty="0"/>
               <a:t> 란</a:t>
             </a:r>
             <a:r>
-              <a:rPr lang="en-US" altLang="ko-KR"/>
+              <a:rPr lang="en-US" altLang="ko-KR" dirty="0"/>
               <a:t>?</a:t>
             </a:r>
-            <a:endParaRPr lang="en-US" altLang="ko-KR"/>
           </a:p>
         </p:txBody>
       </p:sp>
@@ -3929,18 +3951,29 @@
               <a:defRPr/>
             </a:pPr>
             <a:r>
-              <a:rPr lang="ko-KR" altLang="en-US" sz="2000"/>
-              <a:t>객체를 만드는 틀을 의미 한다</a:t>
-            </a:r>
-            <a:r>
-              <a:rPr lang="en-US" altLang="ko-KR" sz="2000"/>
+              <a:rPr lang="ko-KR" altLang="en-US" sz="2000" dirty="0" smtClean="0"/>
+              <a:t>객체</a:t>
+            </a:r>
+            <a:r>
+              <a:rPr lang="en-US" altLang="ko-KR" sz="2000" dirty="0" smtClean="0"/>
+              <a:t>( object)</a:t>
+            </a:r>
+            <a:r>
+              <a:rPr lang="ko-KR" altLang="en-US" sz="2000" dirty="0" smtClean="0"/>
+              <a:t>를 </a:t>
+            </a:r>
+            <a:r>
+              <a:rPr lang="ko-KR" altLang="en-US" sz="2000" dirty="0"/>
+              <a:t>만드는 틀을 의미 한다</a:t>
+            </a:r>
+            <a:r>
+              <a:rPr lang="en-US" altLang="ko-KR" sz="2000" dirty="0"/>
               <a:t>.</a:t>
             </a:r>
             <a:r>
-              <a:rPr lang="ko-KR" altLang="en-US" sz="2000"/>
+              <a:rPr lang="ko-KR" altLang="en-US" sz="2000" dirty="0"/>
               <a:t> </a:t>
             </a:r>
-            <a:endParaRPr lang="ko-KR" altLang="en-US" sz="2000"/>
           </a:p>
           <a:p>
             <a:pPr>
@@ -3949,7 +3982,7 @@
               </a:spcAft>
               <a:defRPr/>
             </a:pPr>
-            <a:endParaRPr lang="en-US" altLang="ko-KR" sz="2000"/>
+            <a:endParaRPr lang="en-US" altLang="ko-KR" sz="2000" dirty="0"/>
           </a:p>
           <a:p>
             <a:pPr>
@@ -3959,14 +3992,21 @@
               <a:defRPr/>
             </a:pPr>
             <a:r>
-              <a:rPr lang="ko-KR" altLang="en-US" sz="2000"/>
-              <a:t>쿠키와 쿠키틀을 예시로 이해해 봅시다</a:t>
-            </a:r>
-            <a:r>
-              <a:rPr lang="en-US" altLang="ko-KR" sz="2000"/>
+              <a:rPr lang="ko-KR" altLang="en-US" sz="2000" dirty="0"/>
+              <a:t>쿠키와 </a:t>
+            </a:r>
+            <a:r>
+              <a:rPr lang="ko-KR" altLang="en-US" sz="2000" dirty="0" err="1"/>
+              <a:t>쿠키틀을</a:t>
+            </a:r>
+            <a:r>
+              <a:rPr lang="ko-KR" altLang="en-US" sz="2000" dirty="0"/>
+              <a:t> 예시로 이해해 봅시다</a:t>
+            </a:r>
+            <a:r>
+              <a:rPr lang="en-US" altLang="ko-KR" sz="2000" dirty="0"/>
               <a:t>.</a:t>
             </a:r>
-            <a:endParaRPr lang="en-US" altLang="ko-KR" sz="2000"/>
           </a:p>
           <a:p>
             <a:pPr marL="0" indent="0">
@@ -3977,14 +4017,13 @@
               <a:defRPr/>
             </a:pPr>
             <a:r>
-              <a:rPr lang="ko-KR" altLang="en-US" sz="2000"/>
+              <a:rPr lang="ko-KR" altLang="en-US" sz="2000" dirty="0"/>
               <a:t>실행해 보세요</a:t>
             </a:r>
             <a:r>
-              <a:rPr lang="en-US" altLang="ko-KR" sz="2000"/>
+              <a:rPr lang="en-US" altLang="ko-KR" sz="2000" dirty="0"/>
               <a:t>.</a:t>
             </a:r>
-            <a:endParaRPr lang="en-US" altLang="ko-KR" sz="2000"/>
           </a:p>
           <a:p>
             <a:pPr marL="0" indent="0">
@@ -3994,7 +4033,7 @@
               <a:buNone/>
               <a:defRPr/>
             </a:pPr>
-            <a:endParaRPr lang="en-US" altLang="ko-KR" sz="2000"/>
+            <a:endParaRPr lang="en-US" altLang="ko-KR" sz="2000" dirty="0"/>
           </a:p>
           <a:p>
             <a:pPr marL="0" indent="0">
@@ -4004,7 +4043,7 @@
               <a:buNone/>
               <a:defRPr/>
             </a:pPr>
-            <a:endParaRPr lang="ko-KR" altLang="en-US" sz="2000"/>
+            <a:endParaRPr lang="ko-KR" altLang="en-US" sz="2000" dirty="0"/>
           </a:p>
           <a:p>
             <a:pPr marL="0" indent="0">
@@ -4014,7 +4053,7 @@
               <a:buNone/>
               <a:defRPr/>
             </a:pPr>
-            <a:endParaRPr lang="en-US" altLang="ko-KR" sz="2000"/>
+            <a:endParaRPr lang="en-US" altLang="ko-KR" sz="2000" dirty="0"/>
           </a:p>
           <a:p>
             <a:pPr>
@@ -4023,7 +4062,7 @@
               </a:spcAft>
               <a:defRPr/>
             </a:pPr>
-            <a:endParaRPr lang="en-US" altLang="ko-KR" sz="2000"/>
+            <a:endParaRPr lang="en-US" altLang="ko-KR" sz="2000" dirty="0"/>
           </a:p>
           <a:p>
             <a:pPr marL="0" indent="0">
@@ -4033,7 +4072,7 @@
               <a:buNone/>
               <a:defRPr/>
             </a:pPr>
-            <a:endParaRPr lang="ko-KR" altLang="en-US" sz="2000"/>
+            <a:endParaRPr lang="ko-KR" altLang="en-US" sz="2000" dirty="0"/>
           </a:p>
           <a:p>
             <a:pPr marL="0" indent="0">
@@ -4043,7 +4082,7 @@
               <a:buNone/>
               <a:defRPr/>
             </a:pPr>
-            <a:endParaRPr lang="ko-KR" altLang="en-US" sz="2000"/>
+            <a:endParaRPr lang="ko-KR" altLang="en-US" sz="2000" dirty="0"/>
           </a:p>
           <a:p>
             <a:pPr marL="0" indent="0">
@@ -4053,7 +4092,7 @@
               <a:buNone/>
               <a:defRPr/>
             </a:pPr>
-            <a:endParaRPr lang="ko-KR" altLang="en-US" sz="2000"/>
+            <a:endParaRPr lang="ko-KR" altLang="en-US" sz="2000" dirty="0"/>
           </a:p>
           <a:p>
             <a:pPr>
@@ -4062,7 +4101,7 @@
               </a:spcAft>
               <a:defRPr/>
             </a:pPr>
-            <a:endParaRPr lang="ko-KR" altLang="en-US" sz="2000"/>
+            <a:endParaRPr lang="ko-KR" altLang="en-US" sz="2000" dirty="0"/>
           </a:p>
         </p:txBody>
       </p:sp>
@@ -4268,7 +4307,7 @@
       </p:sp>
       <p:pic>
         <p:nvPicPr>
-          <p:cNvPr id="1029" name=""/>
+          <p:cNvPr id="1029" name="그림 1028"/>
           <p:cNvPicPr>
             <a:picLocks noChangeAspect="1"/>
           </p:cNvPicPr>
@@ -4293,7 +4332,7 @@
       </p:pic>
       <p:pic>
         <p:nvPicPr>
-          <p:cNvPr id="1030" name=""/>
+          <p:cNvPr id="1030" name="그림 1029"/>
           <p:cNvPicPr>
             <a:picLocks noChangeAspect="1"/>
           </p:cNvPicPr>
@@ -4320,19 +4359,26 @@
   <p:clrMapOvr>
     <a:masterClrMapping/>
   </p:clrMapOvr>
-  <mc:AlternateContent xmlns:mc="http://schemas.openxmlformats.org/markup-compatibility/2006">
-    <mc:Choice xmlns:p14="http://schemas.microsoft.com/office/powerpoint/2010/main" Requires="p14">
-      <p:transition xmlns:mc="http://schemas.openxmlformats.org/markup-compatibility/2006" xmlns:p14="http://schemas.microsoft.com/office/powerpoint/2010/main" mc:Ignorable="p14" p14:dur="500"/>
+  <mc:AlternateContent xmlns:mc="http://schemas.openxmlformats.org/markup-compatibility/2006" xmlns:p14="http://schemas.microsoft.com/office/powerpoint/2010/main">
+    <mc:Choice Requires="p14">
+      <p:transition/>
     </mc:Choice>
-    <mc:Fallback>
+    <mc:Fallback xmlns:dsp="http://schemas.microsoft.com/office/drawing/2008/diagram" xmlns:dgm="http://schemas.openxmlformats.org/drawingml/2006/diagram" xmlns:c="http://schemas.openxmlformats.org/drawingml/2006/chart" xmlns="">
       <p:transition/>
     </mc:Fallback>
   </mc:AlternateContent>
+  <p:timing>
+    <p:tnLst>
+      <p:par>
+        <p:cTn id="1" dur="indefinite" restart="never" nodeType="tmRoot"/>
+      </p:par>
+    </p:tnLst>
+  </p:timing>
 </p:sld>
 </file>
 
 <file path=ppt/slides/slide4.xml><?xml version="1.0" encoding="utf-8"?>
-<p:sld xmlns:r="http://schemas.openxmlformats.org/officeDocument/2006/relationships" xmlns:c="http://schemas.openxmlformats.org/drawingml/2006/chart" xmlns:a="http://schemas.openxmlformats.org/drawingml/2006/main" xmlns:dgm="http://schemas.openxmlformats.org/drawingml/2006/diagram" xmlns:dsp="http://schemas.microsoft.com/office/drawing/2008/diagram" xmlns:p="http://schemas.openxmlformats.org/presentationml/2006/main">
+<p:sld xmlns:a="http://schemas.openxmlformats.org/drawingml/2006/main" xmlns:r="http://schemas.openxmlformats.org/officeDocument/2006/relationships" xmlns:p="http://schemas.openxmlformats.org/presentationml/2006/main">
   <p:cSld>
     <p:spTree>
       <p:nvGrpSpPr>
@@ -4355,7 +4401,7 @@
             <a:spLocks noGrp="1"/>
           </p:cNvSpPr>
           <p:nvPr>
-            <p:ph type="title" idx="0"/>
+            <p:ph type="title"/>
           </p:nvPr>
         </p:nvSpPr>
         <p:spPr>
@@ -4379,7 +4425,6 @@
               <a:rPr lang="ko-KR" altLang="en-US"/>
               <a:t>리스트</a:t>
             </a:r>
-            <a:endParaRPr lang="ko-KR" altLang="en-US"/>
           </a:p>
         </p:txBody>
       </p:sp>
@@ -4428,16 +4473,12 @@
               </a:rPr>
               <a:t> </a:t>
             </a:r>
-            <a:endParaRPr lang="ko-KR" altLang="en-US" sz="1200">
-              <a:latin typeface="+mj-ea"/>
-              <a:ea typeface="+mj-ea"/>
-            </a:endParaRPr>
           </a:p>
         </p:txBody>
       </p:sp>
       <p:pic>
         <p:nvPicPr>
-          <p:cNvPr id="18" name=""/>
+          <p:cNvPr id="18" name="그림 17"/>
           <p:cNvPicPr>
             <a:picLocks noChangeAspect="1"/>
           </p:cNvPicPr>
@@ -4465,11 +4506,11 @@
   <p:clrMapOvr>
     <a:masterClrMapping/>
   </p:clrMapOvr>
-  <mc:AlternateContent xmlns:mc="http://schemas.openxmlformats.org/markup-compatibility/2006">
-    <mc:Choice xmlns:p14="http://schemas.microsoft.com/office/powerpoint/2010/main" Requires="p14">
-      <p:transition xmlns:mc="http://schemas.openxmlformats.org/markup-compatibility/2006" xmlns:p14="http://schemas.microsoft.com/office/powerpoint/2010/main" mc:Ignorable="p14" p14:dur="500"/>
+  <mc:AlternateContent xmlns:mc="http://schemas.openxmlformats.org/markup-compatibility/2006" xmlns:p14="http://schemas.microsoft.com/office/powerpoint/2010/main">
+    <mc:Choice Requires="p14">
+      <p:transition/>
     </mc:Choice>
-    <mc:Fallback>
+    <mc:Fallback xmlns:dsp="http://schemas.microsoft.com/office/drawing/2008/diagram" xmlns:dgm="http://schemas.openxmlformats.org/drawingml/2006/diagram" xmlns:c="http://schemas.openxmlformats.org/drawingml/2006/chart" xmlns="">
       <p:transition/>
     </mc:Fallback>
   </mc:AlternateContent>
@@ -4477,7 +4518,7 @@
 </file>
 
 <file path=ppt/slides/slide5.xml><?xml version="1.0" encoding="utf-8"?>
-<p:sld xmlns:r="http://schemas.openxmlformats.org/officeDocument/2006/relationships" xmlns:c="http://schemas.openxmlformats.org/drawingml/2006/chart" xmlns:a="http://schemas.openxmlformats.org/drawingml/2006/main" xmlns:dgm="http://schemas.openxmlformats.org/drawingml/2006/diagram" xmlns:dsp="http://schemas.microsoft.com/office/drawing/2008/diagram" xmlns:p="http://schemas.openxmlformats.org/presentationml/2006/main">
+<p:sld xmlns:a="http://schemas.openxmlformats.org/drawingml/2006/main" xmlns:r="http://schemas.openxmlformats.org/officeDocument/2006/relationships" xmlns:p="http://schemas.openxmlformats.org/presentationml/2006/main">
   <p:cSld>
     <p:spTree>
       <p:nvGrpSpPr>
@@ -4500,7 +4541,7 @@
             <a:spLocks noGrp="1"/>
           </p:cNvSpPr>
           <p:nvPr>
-            <p:ph type="title" idx="0"/>
+            <p:ph type="title"/>
           </p:nvPr>
         </p:nvSpPr>
         <p:spPr/>
@@ -4515,7 +4556,6 @@
               <a:rPr lang="ko-KR" altLang="en-US"/>
               <a:t>리스트 슬라이싱</a:t>
             </a:r>
-            <a:endParaRPr lang="ko-KR" altLang="en-US"/>
           </a:p>
         </p:txBody>
       </p:sp>
@@ -4568,7 +4608,7 @@
       </p:sp>
       <p:pic>
         <p:nvPicPr>
-          <p:cNvPr id="3077" name=""/>
+          <p:cNvPr id="3077" name="그림 3076"/>
           <p:cNvPicPr>
             <a:picLocks noChangeAspect="1"/>
           </p:cNvPicPr>
@@ -4596,11 +4636,11 @@
   <p:clrMapOvr>
     <a:masterClrMapping/>
   </p:clrMapOvr>
-  <mc:AlternateContent xmlns:mc="http://schemas.openxmlformats.org/markup-compatibility/2006">
-    <mc:Choice xmlns:p14="http://schemas.microsoft.com/office/powerpoint/2010/main" Requires="p14">
-      <p:transition xmlns:mc="http://schemas.openxmlformats.org/markup-compatibility/2006" xmlns:p14="http://schemas.microsoft.com/office/powerpoint/2010/main" mc:Ignorable="p14" p14:dur="500"/>
+  <mc:AlternateContent xmlns:mc="http://schemas.openxmlformats.org/markup-compatibility/2006" xmlns:p14="http://schemas.microsoft.com/office/powerpoint/2010/main">
+    <mc:Choice Requires="p14">
+      <p:transition/>
     </mc:Choice>
-    <mc:Fallback>
+    <mc:Fallback xmlns:dsp="http://schemas.microsoft.com/office/drawing/2008/diagram" xmlns:dgm="http://schemas.openxmlformats.org/drawingml/2006/diagram" xmlns:c="http://schemas.openxmlformats.org/drawingml/2006/chart" xmlns="">
       <p:transition/>
     </mc:Fallback>
   </mc:AlternateContent>
@@ -4608,7 +4648,7 @@
 </file>
 
 <file path=ppt/slides/slide6.xml><?xml version="1.0" encoding="utf-8"?>
-<p:sld xmlns:r="http://schemas.openxmlformats.org/officeDocument/2006/relationships" xmlns:c="http://schemas.openxmlformats.org/drawingml/2006/chart" xmlns:a="http://schemas.openxmlformats.org/drawingml/2006/main" xmlns:dgm="http://schemas.openxmlformats.org/drawingml/2006/diagram" xmlns:dsp="http://schemas.microsoft.com/office/drawing/2008/diagram" xmlns:p="http://schemas.openxmlformats.org/presentationml/2006/main">
+<p:sld xmlns:a="http://schemas.openxmlformats.org/drawingml/2006/main" xmlns:r="http://schemas.openxmlformats.org/officeDocument/2006/relationships" xmlns:p="http://schemas.openxmlformats.org/presentationml/2006/main">
   <p:cSld>
     <p:spTree>
       <p:nvGrpSpPr>
@@ -4631,7 +4671,7 @@
             <a:spLocks noGrp="1"/>
           </p:cNvSpPr>
           <p:nvPr>
-            <p:ph type="title" idx="0"/>
+            <p:ph type="title"/>
           </p:nvPr>
         </p:nvSpPr>
         <p:spPr/>
@@ -4646,7 +4686,6 @@
               <a:rPr lang="ko-KR" altLang="en-US"/>
               <a:t>리스트 메소드</a:t>
             </a:r>
-            <a:endParaRPr lang="ko-KR" altLang="en-US"/>
           </a:p>
         </p:txBody>
       </p:sp>
@@ -4668,17 +4707,13 @@
             <a:pPr lvl="0">
               <a:defRPr/>
             </a:pPr>
-            <a:r>
-              <a:rPr lang="ko-KR" altLang="en-US"/>
-              <a:t/>
-            </a:r>
             <a:endParaRPr lang="ko-KR" altLang="en-US"/>
           </a:p>
         </p:txBody>
       </p:sp>
       <p:pic>
         <p:nvPicPr>
-          <p:cNvPr id="6147" name=""/>
+          <p:cNvPr id="6147" name="그림 6146"/>
           <p:cNvPicPr>
             <a:picLocks noChangeAspect="1"/>
           </p:cNvPicPr>
@@ -4705,11 +4740,11 @@
   <p:clrMapOvr>
     <a:masterClrMapping/>
   </p:clrMapOvr>
-  <mc:AlternateContent xmlns:mc="http://schemas.openxmlformats.org/markup-compatibility/2006">
-    <mc:Choice xmlns:p14="http://schemas.microsoft.com/office/powerpoint/2010/main" Requires="p14">
-      <p:transition xmlns:mc="http://schemas.openxmlformats.org/markup-compatibility/2006" xmlns:p14="http://schemas.microsoft.com/office/powerpoint/2010/main" mc:Ignorable="p14" p14:dur="500"/>
+  <mc:AlternateContent xmlns:mc="http://schemas.openxmlformats.org/markup-compatibility/2006" xmlns:p14="http://schemas.microsoft.com/office/powerpoint/2010/main">
+    <mc:Choice Requires="p14">
+      <p:transition/>
     </mc:Choice>
-    <mc:Fallback>
+    <mc:Fallback xmlns:dsp="http://schemas.microsoft.com/office/drawing/2008/diagram" xmlns:dgm="http://schemas.openxmlformats.org/drawingml/2006/diagram" xmlns:c="http://schemas.openxmlformats.org/drawingml/2006/chart" xmlns="">
       <p:transition/>
     </mc:Fallback>
   </mc:AlternateContent>
@@ -4724,7 +4759,7 @@
 </file>
 
 <file path=ppt/slides/slide7.xml><?xml version="1.0" encoding="utf-8"?>
-<p:sld xmlns:r="http://schemas.openxmlformats.org/officeDocument/2006/relationships" xmlns:c="http://schemas.openxmlformats.org/drawingml/2006/chart" xmlns:a="http://schemas.openxmlformats.org/drawingml/2006/main" xmlns:dgm="http://schemas.openxmlformats.org/drawingml/2006/diagram" xmlns:dsp="http://schemas.microsoft.com/office/drawing/2008/diagram" xmlns:p="http://schemas.openxmlformats.org/presentationml/2006/main">
+<p:sld xmlns:a="http://schemas.openxmlformats.org/drawingml/2006/main" xmlns:r="http://schemas.openxmlformats.org/officeDocument/2006/relationships" xmlns:p="http://schemas.openxmlformats.org/presentationml/2006/main">
   <p:cSld>
     <p:spTree>
       <p:nvGrpSpPr>
@@ -4747,7 +4782,7 @@
             <a:spLocks noGrp="1"/>
           </p:cNvSpPr>
           <p:nvPr>
-            <p:ph type="title" idx="0"/>
+            <p:ph type="title"/>
           </p:nvPr>
         </p:nvSpPr>
         <p:spPr/>
@@ -4788,7 +4823,7 @@
         </p:spPr>
         <p:txBody>
           <a:bodyPr>
-            <a:normAutofit lnSpcReduction="10000"/>
+            <a:normAutofit/>
           </a:bodyPr>
           <a:lstStyle/>
           <a:p>
@@ -4809,47 +4844,47 @@
             <a:pPr lvl="0">
               <a:defRPr/>
             </a:pPr>
-            <a:endParaRPr lang="en-US" altLang="ko-KR"/>
+            <a:endParaRPr lang="en-US" altLang="ko-KR" dirty="0"/>
           </a:p>
           <a:p>
             <a:pPr lvl="0">
               <a:defRPr/>
             </a:pPr>
-            <a:endParaRPr lang="en-US" altLang="ko-KR"/>
+            <a:endParaRPr lang="en-US" altLang="ko-KR" dirty="0"/>
           </a:p>
           <a:p>
             <a:pPr lvl="0">
               <a:defRPr/>
             </a:pPr>
-            <a:endParaRPr lang="en-US" altLang="ko-KR"/>
+            <a:endParaRPr lang="en-US" altLang="ko-KR" dirty="0"/>
           </a:p>
           <a:p>
             <a:pPr lvl="0">
               <a:defRPr/>
             </a:pPr>
-            <a:endParaRPr lang="en-US" altLang="ko-KR"/>
+            <a:endParaRPr lang="en-US" altLang="ko-KR" dirty="0"/>
           </a:p>
           <a:p>
             <a:pPr lvl="0">
               <a:defRPr/>
             </a:pPr>
             <a:r>
-              <a:rPr lang="en-US" altLang="ko-KR">
+              <a:rPr lang="en-US" altLang="ko-KR" dirty="0">
                 <a:hlinkClick r:id="rId2"/>
               </a:rPr>
               <a:t>https://docs.python.org/ko/3/library/stdtypes.html?highlight=str#str</a:t>
             </a:r>
-            <a:endParaRPr lang="en-US" altLang="ko-KR"/>
+            <a:endParaRPr lang="en-US" altLang="ko-KR" dirty="0"/>
           </a:p>
           <a:p>
             <a:pPr lvl="0">
               <a:defRPr/>
             </a:pPr>
             <a:r>
-              <a:rPr lang="en-US" altLang="ko-KR"/>
+              <a:rPr lang="en-US" altLang="ko-KR" dirty="0"/>
               <a:t>https://docs.python.org/ko/3/library/string.html?highlight=string%20method</a:t>
             </a:r>
-            <a:endParaRPr lang="ko-KR" altLang="en-US"/>
+            <a:endParaRPr lang="ko-KR" altLang="en-US" dirty="0"/>
           </a:p>
         </p:txBody>
       </p:sp>
@@ -4882,11 +4917,11 @@
   <p:clrMapOvr>
     <a:masterClrMapping/>
   </p:clrMapOvr>
-  <mc:AlternateContent xmlns:mc="http://schemas.openxmlformats.org/markup-compatibility/2006">
-    <mc:Choice xmlns:p14="http://schemas.microsoft.com/office/powerpoint/2010/main" Requires="p14">
-      <p:transition xmlns:mc="http://schemas.openxmlformats.org/markup-compatibility/2006" xmlns:p14="http://schemas.microsoft.com/office/powerpoint/2010/main" mc:Ignorable="p14" p14:dur="500"/>
+  <mc:AlternateContent xmlns:mc="http://schemas.openxmlformats.org/markup-compatibility/2006" xmlns:p14="http://schemas.microsoft.com/office/powerpoint/2010/main">
+    <mc:Choice Requires="p14">
+      <p:transition/>
     </mc:Choice>
-    <mc:Fallback>
+    <mc:Fallback xmlns:dsp="http://schemas.microsoft.com/office/drawing/2008/diagram" xmlns:dgm="http://schemas.openxmlformats.org/drawingml/2006/diagram" xmlns:c="http://schemas.openxmlformats.org/drawingml/2006/chart" xmlns="">
       <p:transition/>
     </mc:Fallback>
   </mc:AlternateContent>
@@ -4901,29 +4936,29 @@
 </file>
 
 <file path=ppt/theme/theme1.xml><?xml version="1.0" encoding="utf-8"?>
-<a:theme xmlns:r="http://schemas.openxmlformats.org/officeDocument/2006/relationships" xmlns:c="http://schemas.openxmlformats.org/drawingml/2006/chart" xmlns:dgm="http://schemas.openxmlformats.org/drawingml/2006/diagram" xmlns:dsp="http://schemas.microsoft.com/office/drawing/2008/diagram" xmlns:a="http://schemas.openxmlformats.org/drawingml/2006/main" xmlns:pic="http://schemas.openxmlformats.org/drawingml/2006/picture" xmlns:wp="http://schemas.openxmlformats.org/drawingml/2006/wordprocessingDrawing" xmlns:xdr="http://schemas.openxmlformats.org/drawingml/2006/spreadsheetDrawing" xmlns:p="http://schemas.openxmlformats.org/presentationml/2006/main" name="균형">
+<a:theme xmlns:a="http://schemas.openxmlformats.org/drawingml/2006/main" name="균형">
   <a:themeElements>
     <a:clrScheme name="균형">
       <a:dk1>
         <a:sysClr val="windowText" lastClr="000000"/>
       </a:dk1>
       <a:lt1>
-        <a:sysClr val="window" lastClr="ffffff"/>
+        <a:sysClr val="window" lastClr="FFFFFF"/>
       </a:lt1>
       <a:dk2>
         <a:srgbClr val="696464"/>
       </a:dk2>
       <a:lt2>
-        <a:srgbClr val="e9e5dc"/>
+        <a:srgbClr val="E9E5DC"/>
       </a:lt2>
       <a:accent1>
-        <a:srgbClr val="d34817"/>
+        <a:srgbClr val="D34817"/>
       </a:accent1>
       <a:accent2>
-        <a:srgbClr val="9b2d1f"/>
+        <a:srgbClr val="9B2D1F"/>
       </a:accent2>
       <a:accent3>
-        <a:srgbClr val="a28e6a"/>
+        <a:srgbClr val="A28E6A"/>
       </a:accent3>
       <a:accent4>
         <a:srgbClr val="956251"/>
@@ -4932,13 +4967,13 @@
         <a:srgbClr val="918485"/>
       </a:accent5>
       <a:accent6>
-        <a:srgbClr val="855d5d"/>
+        <a:srgbClr val="855D5D"/>
       </a:accent6>
       <a:hlink>
-        <a:srgbClr val="cc9900"/>
+        <a:srgbClr val="CC9900"/>
       </a:hlink>
       <a:folHlink>
-        <a:srgbClr val="96a9a9"/>
+        <a:srgbClr val="96A9A9"/>
       </a:folHlink>
     </a:clrScheme>
     <a:fontScheme name="눈금">
@@ -5019,7 +5054,7 @@
           <a:schemeClr val="phClr"/>
         </a:solidFill>
         <a:blipFill rotWithShape="1">
-          <a:blip r:embed="rId1">
+          <a:blip xmlns:r="http://schemas.openxmlformats.org/officeDocument/2006/relationships" r:embed="rId1">
             <a:duotone>
               <a:schemeClr val="phClr">
                 <a:tint val="30000"/>
@@ -5034,7 +5069,7 @@
           <a:tile tx="0" ty="0" sx="70000" sy="70000" flip="none" algn="ctr"/>
         </a:blipFill>
         <a:blipFill rotWithShape="1">
-          <a:blip r:embed="rId2">
+          <a:blip xmlns:r="http://schemas.openxmlformats.org/officeDocument/2006/relationships" r:embed="rId1">
             <a:duotone>
               <a:schemeClr val="phClr">
                 <a:shade val="22000"/>
@@ -5146,7 +5181,7 @@
           <a:lin ang="16200000" scaled="1"/>
         </a:gradFill>
         <a:blipFill rotWithShape="1">
-          <a:blip r:embed="rId3">
+          <a:blip xmlns:r="http://schemas.openxmlformats.org/officeDocument/2006/relationships" r:embed="rId1">
             <a:duotone>
               <a:schemeClr val="phClr">
                 <a:tint val="95000"/>
@@ -5163,5 +5198,7 @@
       </a:bgFillStyleLst>
     </a:fmtScheme>
   </a:themeElements>
+  <a:objectDefaults/>
+  <a:extraClrSchemeLst/>
 </a:theme>
 </file>
--- a/textbook/파이썬2-2교시.pptx
+++ b/textbook/파이썬2-2교시.pptx
@@ -1,8 +1,8 @@
 
 <file path=ppt/presentation.xml><?xml version="1.0" encoding="utf-8"?>
-<p:presentation xmlns:a="http://schemas.openxmlformats.org/drawingml/2006/main" xmlns:r="http://schemas.openxmlformats.org/officeDocument/2006/relationships" xmlns:p="http://schemas.openxmlformats.org/presentationml/2006/main" saveSubsetFonts="1">
+<p:presentation xmlns:r="http://schemas.openxmlformats.org/officeDocument/2006/relationships" xmlns:c="http://schemas.openxmlformats.org/drawingml/2006/chart" xmlns:a="http://schemas.openxmlformats.org/drawingml/2006/main" xmlns:dgm="http://schemas.openxmlformats.org/drawingml/2006/diagram" xmlns:dsp="http://schemas.microsoft.com/office/drawing/2008/diagram" xmlns:p="http://schemas.openxmlformats.org/presentationml/2006/main" saveSubsetFonts="1">
   <p:sldMasterIdLst>
-    <p:sldMasterId id="2147483693" r:id="rId1"/>
+    <p:sldMasterId id="2147483685" r:id="rId1"/>
   </p:sldMasterIdLst>
   <p:sldIdLst>
     <p:sldId id="256" r:id="rId2"/>
@@ -110,22 +110,6 @@
       </a:defRPr>
     </a:lvl9pPr>
   </p:defaultTextStyle>
-  <p:extLst>
-    <p:ext uri="{EFAFB233-063F-42B5-8137-9DF3F51BA10A}">
-      <p15:sldGuideLst xmlns:p15="http://schemas.microsoft.com/office/powerpoint/2012/main">
-        <p15:guide id="1" orient="horz" pos="2159">
-          <p15:clr>
-            <a:srgbClr val="A4A3A4"/>
-          </p15:clr>
-        </p15:guide>
-        <p15:guide id="2" pos="2880">
-          <p15:clr>
-            <a:srgbClr val="A4A3A4"/>
-          </p15:clr>
-        </p15:guide>
-      </p15:sldGuideLst>
-    </p:ext>
-  </p:extLst>
 </p:presentation>
 </file>
 
@@ -323,7 +307,7 @@
           <a:p>
             <a:fld id="{3575F28B-E03B-4F00-AA56-A8AF97DAF43F}" type="datetimeFigureOut">
               <a:rPr lang="ko-KR" altLang="en-US" smtClean="0"/>
-              <a:t>2021-04-17</a:t>
+              <a:t>2021-04-10</a:t>
             </a:fld>
             <a:endParaRPr lang="ko-KR" altLang="en-US"/>
           </a:p>
@@ -676,7 +660,7 @@
           <a:p>
             <a:fld id="{3575F28B-E03B-4F00-AA56-A8AF97DAF43F}" type="datetimeFigureOut">
               <a:rPr lang="ko-KR" altLang="en-US" smtClean="0"/>
-              <a:t>2021-04-17</a:t>
+              <a:t>2021-04-10</a:t>
             </a:fld>
             <a:endParaRPr lang="ko-KR" altLang="en-US"/>
           </a:p>
@@ -851,7 +835,7 @@
           <a:p>
             <a:fld id="{3575F28B-E03B-4F00-AA56-A8AF97DAF43F}" type="datetimeFigureOut">
               <a:rPr lang="ko-KR" altLang="en-US" smtClean="0"/>
-              <a:t>2021-04-17</a:t>
+              <a:t>2021-04-10</a:t>
             </a:fld>
             <a:endParaRPr lang="ko-KR" altLang="en-US"/>
           </a:p>
@@ -964,7 +948,7 @@
           <a:p>
             <a:fld id="{3575F28B-E03B-4F00-AA56-A8AF97DAF43F}" type="datetimeFigureOut">
               <a:rPr lang="ko-KR" altLang="en-US" smtClean="0"/>
-              <a:t>2021-04-17</a:t>
+              <a:t>2021-04-10</a:t>
             </a:fld>
             <a:endParaRPr lang="ko-KR" altLang="en-US"/>
           </a:p>
@@ -1322,7 +1306,7 @@
           <a:p>
             <a:fld id="{3575F28B-E03B-4F00-AA56-A8AF97DAF43F}" type="datetimeFigureOut">
               <a:rPr lang="ko-KR" altLang="en-US" smtClean="0"/>
-              <a:t>2021-04-17</a:t>
+              <a:t>2021-04-10</a:t>
             </a:fld>
             <a:endParaRPr lang="ko-KR" altLang="en-US"/>
           </a:p>
@@ -1587,7 +1571,7 @@
           <a:p>
             <a:fld id="{3575F28B-E03B-4F00-AA56-A8AF97DAF43F}" type="datetimeFigureOut">
               <a:rPr lang="ko-KR" altLang="en-US" smtClean="0"/>
-              <a:t>2021-04-17</a:t>
+              <a:t>2021-04-10</a:t>
             </a:fld>
             <a:endParaRPr lang="ko-KR" altLang="en-US"/>
           </a:p>
@@ -1949,7 +1933,7 @@
           <a:p>
             <a:fld id="{3575F28B-E03B-4F00-AA56-A8AF97DAF43F}" type="datetimeFigureOut">
               <a:rPr lang="ko-KR" altLang="en-US" smtClean="0"/>
-              <a:t>2021-04-17</a:t>
+              <a:t>2021-04-10</a:t>
             </a:fld>
             <a:endParaRPr lang="ko-KR" altLang="en-US"/>
           </a:p>
@@ -2176,7 +2160,7 @@
           <a:p>
             <a:fld id="{3575F28B-E03B-4F00-AA56-A8AF97DAF43F}" type="datetimeFigureOut">
               <a:rPr lang="ko-KR" altLang="en-US" smtClean="0"/>
-              <a:t>2021-04-17</a:t>
+              <a:t>2021-04-10</a:t>
             </a:fld>
             <a:endParaRPr lang="ko-KR" altLang="en-US"/>
           </a:p>
@@ -2266,7 +2250,7 @@
           <a:p>
             <a:fld id="{3575F28B-E03B-4F00-AA56-A8AF97DAF43F}" type="datetimeFigureOut">
               <a:rPr lang="ko-KR" altLang="en-US" smtClean="0"/>
-              <a:t>2021-04-17</a:t>
+              <a:t>2021-04-10</a:t>
             </a:fld>
             <a:endParaRPr lang="ko-KR" altLang="en-US"/>
           </a:p>
@@ -2533,7 +2517,7 @@
           <a:p>
             <a:fld id="{3575F28B-E03B-4F00-AA56-A8AF97DAF43F}" type="datetimeFigureOut">
               <a:rPr lang="ko-KR" altLang="en-US" smtClean="0"/>
-              <a:t>2021-04-17</a:t>
+              <a:t>2021-04-10</a:t>
             </a:fld>
             <a:endParaRPr lang="ko-KR" altLang="en-US"/>
           </a:p>
@@ -2761,7 +2745,7 @@
           <a:p>
             <a:fld id="{3575F28B-E03B-4F00-AA56-A8AF97DAF43F}" type="datetimeFigureOut">
               <a:rPr lang="ko-KR" altLang="en-US" smtClean="0"/>
-              <a:t>2021-04-17</a:t>
+              <a:t>2021-04-10</a:t>
             </a:fld>
             <a:endParaRPr lang="ko-KR" altLang="en-US"/>
           </a:p>
@@ -3260,7 +3244,7 @@
           <a:p>
             <a:fld id="{3575F28B-E03B-4F00-AA56-A8AF97DAF43F}" type="datetimeFigureOut">
               <a:rPr lang="ko-KR" altLang="en-US" smtClean="0"/>
-              <a:t>2021-04-17</a:t>
+              <a:t>2021-04-10</a:t>
             </a:fld>
             <a:endParaRPr lang="ko-KR" altLang="en-US"/>
           </a:p>
@@ -3648,7 +3632,7 @@
 </file>
 
 <file path=ppt/slides/slide1.xml><?xml version="1.0" encoding="utf-8"?>
-<p:sld xmlns:a="http://schemas.openxmlformats.org/drawingml/2006/main" xmlns:r="http://schemas.openxmlformats.org/officeDocument/2006/relationships" xmlns:p="http://schemas.openxmlformats.org/presentationml/2006/main">
+<p:sld xmlns:r="http://schemas.openxmlformats.org/officeDocument/2006/relationships" xmlns:c="http://schemas.openxmlformats.org/drawingml/2006/chart" xmlns:a="http://schemas.openxmlformats.org/drawingml/2006/main" xmlns:dgm="http://schemas.openxmlformats.org/drawingml/2006/diagram" xmlns:dsp="http://schemas.microsoft.com/office/drawing/2008/diagram" xmlns:p="http://schemas.openxmlformats.org/presentationml/2006/main">
   <p:cSld>
     <p:spTree>
       <p:nvGrpSpPr>
@@ -3682,6 +3666,10 @@
             <a:pPr lvl="0">
               <a:defRPr/>
             </a:pPr>
+            <a:r>
+              <a:rPr lang="ko-KR" altLang="en-US"/>
+              <a:t/>
+            </a:r>
             <a:endParaRPr lang="ko-KR" altLang="en-US"/>
           </a:p>
         </p:txBody>
@@ -3693,7 +3681,7 @@
             <a:spLocks noGrp="1"/>
           </p:cNvSpPr>
           <p:nvPr>
-            <p:ph type="ctrTitle"/>
+            <p:ph type="ctrTitle" idx="0"/>
           </p:nvPr>
         </p:nvSpPr>
         <p:spPr/>
@@ -3708,10 +3696,6 @@
               <a:rPr lang="ko-KR" altLang="en-US"/>
               <a:t>와이즈만</a:t>
             </a:r>
-            <a:r>
-              <a:rPr lang="en-US" altLang="ko-KR"/>
-              <a:t/>
-            </a:r>
             <a:br>
               <a:rPr lang="en-US" altLang="ko-KR"/>
             </a:br>
@@ -3723,6 +3707,7 @@
               <a:rPr lang="en-US" altLang="ko-KR"/>
               <a:t>2-2</a:t>
             </a:r>
+            <a:endParaRPr lang="en-US" altLang="ko-KR"/>
           </a:p>
         </p:txBody>
       </p:sp>
@@ -3731,11 +3716,11 @@
   <p:clrMapOvr>
     <a:masterClrMapping/>
   </p:clrMapOvr>
-  <mc:AlternateContent xmlns:mc="http://schemas.openxmlformats.org/markup-compatibility/2006" xmlns:p14="http://schemas.microsoft.com/office/powerpoint/2010/main">
-    <mc:Choice Requires="p14">
-      <p:transition/>
+  <mc:AlternateContent xmlns:mc="http://schemas.openxmlformats.org/markup-compatibility/2006">
+    <mc:Choice xmlns:p14="http://schemas.microsoft.com/office/powerpoint/2010/main" Requires="p14">
+      <p:transition xmlns:mc="http://schemas.openxmlformats.org/markup-compatibility/2006" xmlns:p14="http://schemas.microsoft.com/office/powerpoint/2010/main" mc:Ignorable="p14" p14:dur="500"/>
     </mc:Choice>
-    <mc:Fallback xmlns:dsp="http://schemas.microsoft.com/office/drawing/2008/diagram" xmlns:dgm="http://schemas.openxmlformats.org/drawingml/2006/diagram" xmlns:c="http://schemas.openxmlformats.org/drawingml/2006/chart" xmlns="">
+    <mc:Fallback>
       <p:transition/>
     </mc:Fallback>
   </mc:AlternateContent>
@@ -3750,7 +3735,7 @@
 </file>
 
 <file path=ppt/slides/slide2.xml><?xml version="1.0" encoding="utf-8"?>
-<p:sld xmlns:a="http://schemas.openxmlformats.org/drawingml/2006/main" xmlns:r="http://schemas.openxmlformats.org/officeDocument/2006/relationships" xmlns:p="http://schemas.openxmlformats.org/presentationml/2006/main">
+<p:sld xmlns:r="http://schemas.openxmlformats.org/officeDocument/2006/relationships" xmlns:c="http://schemas.openxmlformats.org/drawingml/2006/chart" xmlns:a="http://schemas.openxmlformats.org/drawingml/2006/main" xmlns:dgm="http://schemas.openxmlformats.org/drawingml/2006/diagram" xmlns:dsp="http://schemas.microsoft.com/office/drawing/2008/diagram" xmlns:p="http://schemas.openxmlformats.org/presentationml/2006/main">
   <p:cSld>
     <p:spTree>
       <p:nvGrpSpPr>
@@ -3773,7 +3758,7 @@
             <a:spLocks noGrp="1"/>
           </p:cNvSpPr>
           <p:nvPr>
-            <p:ph type="title"/>
+            <p:ph type="title" idx="0"/>
           </p:nvPr>
         </p:nvSpPr>
         <p:spPr/>
@@ -3788,6 +3773,7 @@
               <a:rPr lang="ko-KR" altLang="en-US"/>
               <a:t>학습목표</a:t>
             </a:r>
+            <a:endParaRPr lang="ko-KR" altLang="en-US"/>
           </a:p>
         </p:txBody>
       </p:sp>
@@ -3810,47 +3796,38 @@
               <a:defRPr/>
             </a:pPr>
             <a:r>
-              <a:rPr lang="ko-KR" altLang="en-US" dirty="0"/>
+              <a:rPr lang="ko-KR" altLang="en-US"/>
               <a:t>클래스가 무엇인지 이야기 해 본다</a:t>
             </a:r>
             <a:r>
-              <a:rPr lang="en-US" altLang="ko-KR" dirty="0"/>
+              <a:rPr lang="en-US" altLang="ko-KR"/>
               <a:t>.</a:t>
             </a:r>
-            <a:endParaRPr lang="ko-KR" altLang="en-US" dirty="0"/>
+            <a:endParaRPr lang="ko-KR" altLang="en-US"/>
           </a:p>
           <a:p>
             <a:pPr lvl="0">
               <a:defRPr/>
             </a:pPr>
-            <a:endParaRPr lang="en-US" altLang="ko-KR" dirty="0"/>
+            <a:r>
+              <a:rPr lang="en-US" altLang="ko-KR"/>
+              <a:t> </a:t>
+            </a:r>
+            <a:r>
+              <a:rPr lang="ko-KR" altLang="en-US"/>
+              <a:t>리스트 메소드에 대해서 알아본다</a:t>
+            </a:r>
+            <a:r>
+              <a:rPr lang="en-US" altLang="ko-KR"/>
+              <a:t>.</a:t>
+            </a:r>
+            <a:endParaRPr lang="en-US" altLang="ko-KR"/>
           </a:p>
           <a:p>
             <a:pPr lvl="0">
               <a:defRPr/>
             </a:pPr>
-            <a:r>
-              <a:rPr lang="ko-KR" altLang="en-US" dirty="0" smtClean="0"/>
-              <a:t>리스트 </a:t>
-            </a:r>
-            <a:r>
-              <a:rPr lang="ko-KR" altLang="en-US" dirty="0" err="1"/>
-              <a:t>메소드에</a:t>
-            </a:r>
-            <a:r>
-              <a:rPr lang="ko-KR" altLang="en-US" dirty="0"/>
-              <a:t> 대해서 알아본다</a:t>
-            </a:r>
-            <a:r>
-              <a:rPr lang="en-US" altLang="ko-KR" dirty="0"/>
-              <a:t>.</a:t>
-            </a:r>
-          </a:p>
-          <a:p>
-            <a:pPr lvl="0">
-              <a:defRPr/>
-            </a:pPr>
-            <a:endParaRPr lang="en-US" altLang="ko-KR" dirty="0"/>
+            <a:endParaRPr lang="en-US" altLang="ko-KR"/>
           </a:p>
         </p:txBody>
       </p:sp>
@@ -3859,11 +3836,11 @@
   <p:clrMapOvr>
     <a:masterClrMapping/>
   </p:clrMapOvr>
-  <mc:AlternateContent xmlns:mc="http://schemas.openxmlformats.org/markup-compatibility/2006" xmlns:p14="http://schemas.microsoft.com/office/powerpoint/2010/main">
-    <mc:Choice Requires="p14">
-      <p:transition/>
+  <mc:AlternateContent xmlns:mc="http://schemas.openxmlformats.org/markup-compatibility/2006">
+    <mc:Choice xmlns:p14="http://schemas.microsoft.com/office/powerpoint/2010/main" Requires="p14">
+      <p:transition xmlns:mc="http://schemas.openxmlformats.org/markup-compatibility/2006" xmlns:p14="http://schemas.microsoft.com/office/powerpoint/2010/main" mc:Ignorable="p14" p14:dur="500"/>
     </mc:Choice>
-    <mc:Fallback xmlns:dsp="http://schemas.microsoft.com/office/drawing/2008/diagram" xmlns:dgm="http://schemas.openxmlformats.org/drawingml/2006/diagram" xmlns:c="http://schemas.openxmlformats.org/drawingml/2006/chart" xmlns="">
+    <mc:Fallback>
       <p:transition/>
     </mc:Fallback>
   </mc:AlternateContent>
@@ -3878,7 +3855,7 @@
 </file>
 
 <file path=ppt/slides/slide3.xml><?xml version="1.0" encoding="utf-8"?>
-<p:sld xmlns:a="http://schemas.openxmlformats.org/drawingml/2006/main" xmlns:r="http://schemas.openxmlformats.org/officeDocument/2006/relationships" xmlns:p="http://schemas.openxmlformats.org/presentationml/2006/main">
+<p:sld xmlns:r="http://schemas.openxmlformats.org/officeDocument/2006/relationships" xmlns:c="http://schemas.openxmlformats.org/drawingml/2006/chart" xmlns:a="http://schemas.openxmlformats.org/drawingml/2006/main" xmlns:dgm="http://schemas.openxmlformats.org/drawingml/2006/diagram" xmlns:dsp="http://schemas.microsoft.com/office/drawing/2008/diagram" xmlns:p="http://schemas.openxmlformats.org/presentationml/2006/main">
   <p:cSld>
     <p:spTree>
       <p:nvGrpSpPr>
@@ -3901,7 +3878,7 @@
             <a:spLocks noGrp="1"/>
           </p:cNvSpPr>
           <p:nvPr>
-            <p:ph type="title"/>
+            <p:ph type="title" idx="0"/>
           </p:nvPr>
         </p:nvSpPr>
         <p:spPr/>
@@ -3913,17 +3890,18 @@
               <a:defRPr/>
             </a:pPr>
             <a:r>
-              <a:rPr lang="en-US" altLang="ko-KR" dirty="0"/>
+              <a:rPr lang="en-US" altLang="ko-KR"/>
               <a:t>class</a:t>
             </a:r>
             <a:r>
-              <a:rPr lang="ko-KR" altLang="en-US" dirty="0"/>
+              <a:rPr lang="ko-KR" altLang="en-US"/>
               <a:t> 란</a:t>
             </a:r>
             <a:r>
-              <a:rPr lang="en-US" altLang="ko-KR" dirty="0"/>
+              <a:rPr lang="en-US" altLang="ko-KR"/>
               <a:t>?</a:t>
             </a:r>
+            <a:endParaRPr lang="en-US" altLang="ko-KR"/>
           </a:p>
         </p:txBody>
       </p:sp>
@@ -3951,29 +3929,18 @@
               <a:defRPr/>
             </a:pPr>
             <a:r>
-              <a:rPr lang="ko-KR" altLang="en-US" sz="2000" dirty="0" smtClean="0"/>
-              <a:t>객체</a:t>
-            </a:r>
-            <a:r>
-              <a:rPr lang="en-US" altLang="ko-KR" sz="2000" dirty="0" smtClean="0"/>
-              <a:t>( object)</a:t>
-            </a:r>
-            <a:r>
-              <a:rPr lang="ko-KR" altLang="en-US" sz="2000" dirty="0" smtClean="0"/>
-              <a:t>를 </a:t>
-            </a:r>
-            <a:r>
-              <a:rPr lang="ko-KR" altLang="en-US" sz="2000" dirty="0"/>
-              <a:t>만드는 틀을 의미 한다</a:t>
-            </a:r>
-            <a:r>
-              <a:rPr lang="en-US" altLang="ko-KR" sz="2000" dirty="0"/>
+              <a:rPr lang="ko-KR" altLang="en-US" sz="2000"/>
+              <a:t>객체를 만드는 틀을 의미 한다</a:t>
+            </a:r>
+            <a:r>
+              <a:rPr lang="en-US" altLang="ko-KR" sz="2000"/>
               <a:t>.</a:t>
             </a:r>
             <a:r>
-              <a:rPr lang="ko-KR" altLang="en-US" sz="2000" dirty="0"/>
+              <a:rPr lang="ko-KR" altLang="en-US" sz="2000"/>
               <a:t> </a:t>
             </a:r>
+            <a:endParaRPr lang="ko-KR" altLang="en-US" sz="2000"/>
           </a:p>
           <a:p>
             <a:pPr>
@@ -3982,7 +3949,7 @@
               </a:spcAft>
               <a:defRPr/>
             </a:pPr>
-            <a:endParaRPr lang="en-US" altLang="ko-KR" sz="2000" dirty="0"/>
+            <a:endParaRPr lang="en-US" altLang="ko-KR" sz="2000"/>
           </a:p>
           <a:p>
             <a:pPr>
@@ -3992,21 +3959,14 @@
               <a:defRPr/>
             </a:pPr>
             <a:r>
-              <a:rPr lang="ko-KR" altLang="en-US" sz="2000" dirty="0"/>
-              <a:t>쿠키와 </a:t>
-            </a:r>
-            <a:r>
-              <a:rPr lang="ko-KR" altLang="en-US" sz="2000" dirty="0" err="1"/>
-              <a:t>쿠키틀을</a:t>
-            </a:r>
-            <a:r>
-              <a:rPr lang="ko-KR" altLang="en-US" sz="2000" dirty="0"/>
-              <a:t> 예시로 이해해 봅시다</a:t>
-            </a:r>
-            <a:r>
-              <a:rPr lang="en-US" altLang="ko-KR" sz="2000" dirty="0"/>
+              <a:rPr lang="ko-KR" altLang="en-US" sz="2000"/>
+              <a:t>쿠키와 쿠키틀을 예시로 이해해 봅시다</a:t>
+            </a:r>
+            <a:r>
+              <a:rPr lang="en-US" altLang="ko-KR" sz="2000"/>
               <a:t>.</a:t>
             </a:r>
+            <a:endParaRPr lang="en-US" altLang="ko-KR" sz="2000"/>
           </a:p>
           <a:p>
             <a:pPr marL="0" indent="0">
@@ -4017,13 +3977,14 @@
               <a:defRPr/>
             </a:pPr>
             <a:r>
-              <a:rPr lang="ko-KR" altLang="en-US" sz="2000" dirty="0"/>
+              <a:rPr lang="ko-KR" altLang="en-US" sz="2000"/>
               <a:t>실행해 보세요</a:t>
             </a:r>
             <a:r>
-              <a:rPr lang="en-US" altLang="ko-KR" sz="2000" dirty="0"/>
+              <a:rPr lang="en-US" altLang="ko-KR" sz="2000"/>
               <a:t>.</a:t>
             </a:r>
+            <a:endParaRPr lang="en-US" altLang="ko-KR" sz="2000"/>
           </a:p>
           <a:p>
             <a:pPr marL="0" indent="0">
@@ -4033,7 +3994,7 @@
               <a:buNone/>
               <a:defRPr/>
             </a:pPr>
-            <a:endParaRPr lang="en-US" altLang="ko-KR" sz="2000" dirty="0"/>
+            <a:endParaRPr lang="en-US" altLang="ko-KR" sz="2000"/>
           </a:p>
           <a:p>
             <a:pPr marL="0" indent="0">
@@ -4043,7 +4004,7 @@
               <a:buNone/>
               <a:defRPr/>
             </a:pPr>
-            <a:endParaRPr lang="ko-KR" altLang="en-US" sz="2000" dirty="0"/>
+            <a:endParaRPr lang="ko-KR" altLang="en-US" sz="2000"/>
           </a:p>
           <a:p>
             <a:pPr marL="0" indent="0">
@@ -4053,7 +4014,7 @@
               <a:buNone/>
               <a:defRPr/>
             </a:pPr>
-            <a:endParaRPr lang="en-US" altLang="ko-KR" sz="2000" dirty="0"/>
+            <a:endParaRPr lang="en-US" altLang="ko-KR" sz="2000"/>
           </a:p>
           <a:p>
             <a:pPr>
@@ -4062,7 +4023,7 @@
               </a:spcAft>
               <a:defRPr/>
             </a:pPr>
-            <a:endParaRPr lang="en-US" altLang="ko-KR" sz="2000" dirty="0"/>
+            <a:endParaRPr lang="en-US" altLang="ko-KR" sz="2000"/>
           </a:p>
           <a:p>
             <a:pPr marL="0" indent="0">
@@ -4072,7 +4033,7 @@
               <a:buNone/>
               <a:defRPr/>
             </a:pPr>
-            <a:endParaRPr lang="ko-KR" altLang="en-US" sz="2000" dirty="0"/>
+            <a:endParaRPr lang="ko-KR" altLang="en-US" sz="2000"/>
           </a:p>
           <a:p>
             <a:pPr marL="0" indent="0">
@@ -4082,7 +4043,7 @@
               <a:buNone/>
               <a:defRPr/>
             </a:pPr>
-            <a:endParaRPr lang="ko-KR" altLang="en-US" sz="2000" dirty="0"/>
+            <a:endParaRPr lang="ko-KR" altLang="en-US" sz="2000"/>
           </a:p>
           <a:p>
             <a:pPr marL="0" indent="0">
@@ -4092,7 +4053,7 @@
               <a:buNone/>
               <a:defRPr/>
             </a:pPr>
-            <a:endParaRPr lang="ko-KR" altLang="en-US" sz="2000" dirty="0"/>
+            <a:endParaRPr lang="ko-KR" altLang="en-US" sz="2000"/>
           </a:p>
           <a:p>
             <a:pPr>
@@ -4101,7 +4062,7 @@
               </a:spcAft>
               <a:defRPr/>
             </a:pPr>
-            <a:endParaRPr lang="ko-KR" altLang="en-US" sz="2000" dirty="0"/>
+            <a:endParaRPr lang="ko-KR" altLang="en-US" sz="2000"/>
           </a:p>
         </p:txBody>
       </p:sp>
@@ -4307,7 +4268,7 @@
       </p:sp>
       <p:pic>
         <p:nvPicPr>
-          <p:cNvPr id="1029" name="그림 1028"/>
+          <p:cNvPr id="1029" name=""/>
           <p:cNvPicPr>
             <a:picLocks noChangeAspect="1"/>
           </p:cNvPicPr>
@@ -4332,7 +4293,7 @@
       </p:pic>
       <p:pic>
         <p:nvPicPr>
-          <p:cNvPr id="1030" name="그림 1029"/>
+          <p:cNvPr id="1030" name=""/>
           <p:cNvPicPr>
             <a:picLocks noChangeAspect="1"/>
           </p:cNvPicPr>
@@ -4359,26 +4320,19 @@
   <p:clrMapOvr>
     <a:masterClrMapping/>
   </p:clrMapOvr>
-  <mc:AlternateContent xmlns:mc="http://schemas.openxmlformats.org/markup-compatibility/2006" xmlns:p14="http://schemas.microsoft.com/office/powerpoint/2010/main">
-    <mc:Choice Requires="p14">
-      <p:transition/>
+  <mc:AlternateContent xmlns:mc="http://schemas.openxmlformats.org/markup-compatibility/2006">
+    <mc:Choice xmlns:p14="http://schemas.microsoft.com/office/powerpoint/2010/main" Requires="p14">
+      <p:transition xmlns:mc="http://schemas.openxmlformats.org/markup-compatibility/2006" xmlns:p14="http://schemas.microsoft.com/office/powerpoint/2010/main" mc:Ignorable="p14" p14:dur="500"/>
     </mc:Choice>
-    <mc:Fallback xmlns:dsp="http://schemas.microsoft.com/office/drawing/2008/diagram" xmlns:dgm="http://schemas.openxmlformats.org/drawingml/2006/diagram" xmlns:c="http://schemas.openxmlformats.org/drawingml/2006/chart" xmlns="">
+    <mc:Fallback>
       <p:transition/>
     </mc:Fallback>
   </mc:AlternateContent>
-  <p:timing>
-    <p:tnLst>
-      <p:par>
-        <p:cTn id="1" dur="indefinite" restart="never" nodeType="tmRoot"/>
-      </p:par>
-    </p:tnLst>
-  </p:timing>
 </p:sld>
 </file>
 
 <file path=ppt/slides/slide4.xml><?xml version="1.0" encoding="utf-8"?>
-<p:sld xmlns:a="http://schemas.openxmlformats.org/drawingml/2006/main" xmlns:r="http://schemas.openxmlformats.org/officeDocument/2006/relationships" xmlns:p="http://schemas.openxmlformats.org/presentationml/2006/main">
+<p:sld xmlns:r="http://schemas.openxmlformats.org/officeDocument/2006/relationships" xmlns:c="http://schemas.openxmlformats.org/drawingml/2006/chart" xmlns:a="http://schemas.openxmlformats.org/drawingml/2006/main" xmlns:dgm="http://schemas.openxmlformats.org/drawingml/2006/diagram" xmlns:dsp="http://schemas.microsoft.com/office/drawing/2008/diagram" xmlns:p="http://schemas.openxmlformats.org/presentationml/2006/main">
   <p:cSld>
     <p:spTree>
       <p:nvGrpSpPr>
@@ -4401,7 +4355,7 @@
             <a:spLocks noGrp="1"/>
           </p:cNvSpPr>
           <p:nvPr>
-            <p:ph type="title"/>
+            <p:ph type="title" idx="0"/>
           </p:nvPr>
         </p:nvSpPr>
         <p:spPr>
@@ -4425,6 +4379,7 @@
               <a:rPr lang="ko-KR" altLang="en-US"/>
               <a:t>리스트</a:t>
             </a:r>
+            <a:endParaRPr lang="ko-KR" altLang="en-US"/>
           </a:p>
         </p:txBody>
       </p:sp>
@@ -4473,12 +4428,16 @@
               </a:rPr>
               <a:t> </a:t>
             </a:r>
+            <a:endParaRPr lang="ko-KR" altLang="en-US" sz="1200">
+              <a:latin typeface="+mj-ea"/>
+              <a:ea typeface="+mj-ea"/>
+            </a:endParaRPr>
           </a:p>
         </p:txBody>
       </p:sp>
       <p:pic>
         <p:nvPicPr>
-          <p:cNvPr id="18" name="그림 17"/>
+          <p:cNvPr id="18" name=""/>
           <p:cNvPicPr>
             <a:picLocks noChangeAspect="1"/>
           </p:cNvPicPr>
@@ -4506,11 +4465,11 @@
   <p:clrMapOvr>
     <a:masterClrMapping/>
   </p:clrMapOvr>
-  <mc:AlternateContent xmlns:mc="http://schemas.openxmlformats.org/markup-compatibility/2006" xmlns:p14="http://schemas.microsoft.com/office/powerpoint/2010/main">
-    <mc:Choice Requires="p14">
-      <p:transition/>
+  <mc:AlternateContent xmlns:mc="http://schemas.openxmlformats.org/markup-compatibility/2006">
+    <mc:Choice xmlns:p14="http://schemas.microsoft.com/office/powerpoint/2010/main" Requires="p14">
+      <p:transition xmlns:mc="http://schemas.openxmlformats.org/markup-compatibility/2006" xmlns:p14="http://schemas.microsoft.com/office/powerpoint/2010/main" mc:Ignorable="p14" p14:dur="500"/>
     </mc:Choice>
-    <mc:Fallback xmlns:dsp="http://schemas.microsoft.com/office/drawing/2008/diagram" xmlns:dgm="http://schemas.openxmlformats.org/drawingml/2006/diagram" xmlns:c="http://schemas.openxmlformats.org/drawingml/2006/chart" xmlns="">
+    <mc:Fallback>
       <p:transition/>
     </mc:Fallback>
   </mc:AlternateContent>
@@ -4518,7 +4477,7 @@
 </file>
 
 <file path=ppt/slides/slide5.xml><?xml version="1.0" encoding="utf-8"?>
-<p:sld xmlns:a="http://schemas.openxmlformats.org/drawingml/2006/main" xmlns:r="http://schemas.openxmlformats.org/officeDocument/2006/relationships" xmlns:p="http://schemas.openxmlformats.org/presentationml/2006/main">
+<p:sld xmlns:r="http://schemas.openxmlformats.org/officeDocument/2006/relationships" xmlns:c="http://schemas.openxmlformats.org/drawingml/2006/chart" xmlns:a="http://schemas.openxmlformats.org/drawingml/2006/main" xmlns:dgm="http://schemas.openxmlformats.org/drawingml/2006/diagram" xmlns:dsp="http://schemas.microsoft.com/office/drawing/2008/diagram" xmlns:p="http://schemas.openxmlformats.org/presentationml/2006/main">
   <p:cSld>
     <p:spTree>
       <p:nvGrpSpPr>
@@ -4541,7 +4500,7 @@
             <a:spLocks noGrp="1"/>
           </p:cNvSpPr>
           <p:nvPr>
-            <p:ph type="title"/>
+            <p:ph type="title" idx="0"/>
           </p:nvPr>
         </p:nvSpPr>
         <p:spPr/>
@@ -4556,6 +4515,7 @@
               <a:rPr lang="ko-KR" altLang="en-US"/>
               <a:t>리스트 슬라이싱</a:t>
             </a:r>
+            <a:endParaRPr lang="ko-KR" altLang="en-US"/>
           </a:p>
         </p:txBody>
       </p:sp>
@@ -4608,7 +4568,7 @@
       </p:sp>
       <p:pic>
         <p:nvPicPr>
-          <p:cNvPr id="3077" name="그림 3076"/>
+          <p:cNvPr id="3077" name=""/>
           <p:cNvPicPr>
             <a:picLocks noChangeAspect="1"/>
           </p:cNvPicPr>
@@ -4636,11 +4596,11 @@
   <p:clrMapOvr>
     <a:masterClrMapping/>
   </p:clrMapOvr>
-  <mc:AlternateContent xmlns:mc="http://schemas.openxmlformats.org/markup-compatibility/2006" xmlns:p14="http://schemas.microsoft.com/office/powerpoint/2010/main">
-    <mc:Choice Requires="p14">
-      <p:transition/>
+  <mc:AlternateContent xmlns:mc="http://schemas.openxmlformats.org/markup-compatibility/2006">
+    <mc:Choice xmlns:p14="http://schemas.microsoft.com/office/powerpoint/2010/main" Requires="p14">
+      <p:transition xmlns:mc="http://schemas.openxmlformats.org/markup-compatibility/2006" xmlns:p14="http://schemas.microsoft.com/office/powerpoint/2010/main" mc:Ignorable="p14" p14:dur="500"/>
     </mc:Choice>
-    <mc:Fallback xmlns:dsp="http://schemas.microsoft.com/office/drawing/2008/diagram" xmlns:dgm="http://schemas.openxmlformats.org/drawingml/2006/diagram" xmlns:c="http://schemas.openxmlformats.org/drawingml/2006/chart" xmlns="">
+    <mc:Fallback>
       <p:transition/>
     </mc:Fallback>
   </mc:AlternateContent>
@@ -4648,7 +4608,7 @@
 </file>
 
 <file path=ppt/slides/slide6.xml><?xml version="1.0" encoding="utf-8"?>
-<p:sld xmlns:a="http://schemas.openxmlformats.org/drawingml/2006/main" xmlns:r="http://schemas.openxmlformats.org/officeDocument/2006/relationships" xmlns:p="http://schemas.openxmlformats.org/presentationml/2006/main">
+<p:sld xmlns:r="http://schemas.openxmlformats.org/officeDocument/2006/relationships" xmlns:c="http://schemas.openxmlformats.org/drawingml/2006/chart" xmlns:a="http://schemas.openxmlformats.org/drawingml/2006/main" xmlns:dgm="http://schemas.openxmlformats.org/drawingml/2006/diagram" xmlns:dsp="http://schemas.microsoft.com/office/drawing/2008/diagram" xmlns:p="http://schemas.openxmlformats.org/presentationml/2006/main">
   <p:cSld>
     <p:spTree>
       <p:nvGrpSpPr>
@@ -4671,7 +4631,7 @@
             <a:spLocks noGrp="1"/>
           </p:cNvSpPr>
           <p:nvPr>
-            <p:ph type="title"/>
+            <p:ph type="title" idx="0"/>
           </p:nvPr>
         </p:nvSpPr>
         <p:spPr/>
@@ -4686,6 +4646,7 @@
               <a:rPr lang="ko-KR" altLang="en-US"/>
               <a:t>리스트 메소드</a:t>
             </a:r>
+            <a:endParaRPr lang="ko-KR" altLang="en-US"/>
           </a:p>
         </p:txBody>
       </p:sp>
@@ -4707,13 +4668,17 @@
             <a:pPr lvl="0">
               <a:defRPr/>
             </a:pPr>
+            <a:r>
+              <a:rPr lang="ko-KR" altLang="en-US"/>
+              <a:t/>
+            </a:r>
             <a:endParaRPr lang="ko-KR" altLang="en-US"/>
           </a:p>
         </p:txBody>
       </p:sp>
       <p:pic>
         <p:nvPicPr>
-          <p:cNvPr id="6147" name="그림 6146"/>
+          <p:cNvPr id="6147" name=""/>
           <p:cNvPicPr>
             <a:picLocks noChangeAspect="1"/>
           </p:cNvPicPr>
@@ -4740,11 +4705,11 @@
   <p:clrMapOvr>
     <a:masterClrMapping/>
   </p:clrMapOvr>
-  <mc:AlternateContent xmlns:mc="http://schemas.openxmlformats.org/markup-compatibility/2006" xmlns:p14="http://schemas.microsoft.com/office/powerpoint/2010/main">
-    <mc:Choice Requires="p14">
-      <p:transition/>
+  <mc:AlternateContent xmlns:mc="http://schemas.openxmlformats.org/markup-compatibility/2006">
+    <mc:Choice xmlns:p14="http://schemas.microsoft.com/office/powerpoint/2010/main" Requires="p14">
+      <p:transition xmlns:mc="http://schemas.openxmlformats.org/markup-compatibility/2006" xmlns:p14="http://schemas.microsoft.com/office/powerpoint/2010/main" mc:Ignorable="p14" p14:dur="500"/>
     </mc:Choice>
-    <mc:Fallback xmlns:dsp="http://schemas.microsoft.com/office/drawing/2008/diagram" xmlns:dgm="http://schemas.openxmlformats.org/drawingml/2006/diagram" xmlns:c="http://schemas.openxmlformats.org/drawingml/2006/chart" xmlns="">
+    <mc:Fallback>
       <p:transition/>
     </mc:Fallback>
   </mc:AlternateContent>
@@ -4759,7 +4724,7 @@
 </file>
 
 <file path=ppt/slides/slide7.xml><?xml version="1.0" encoding="utf-8"?>
-<p:sld xmlns:a="http://schemas.openxmlformats.org/drawingml/2006/main" xmlns:r="http://schemas.openxmlformats.org/officeDocument/2006/relationships" xmlns:p="http://schemas.openxmlformats.org/presentationml/2006/main">
+<p:sld xmlns:r="http://schemas.openxmlformats.org/officeDocument/2006/relationships" xmlns:c="http://schemas.openxmlformats.org/drawingml/2006/chart" xmlns:a="http://schemas.openxmlformats.org/drawingml/2006/main" xmlns:dgm="http://schemas.openxmlformats.org/drawingml/2006/diagram" xmlns:dsp="http://schemas.microsoft.com/office/drawing/2008/diagram" xmlns:p="http://schemas.openxmlformats.org/presentationml/2006/main">
   <p:cSld>
     <p:spTree>
       <p:nvGrpSpPr>
@@ -4782,7 +4747,7 @@
             <a:spLocks noGrp="1"/>
           </p:cNvSpPr>
           <p:nvPr>
-            <p:ph type="title"/>
+            <p:ph type="title" idx="0"/>
           </p:nvPr>
         </p:nvSpPr>
         <p:spPr/>
@@ -4823,7 +4788,7 @@
         </p:spPr>
         <p:txBody>
           <a:bodyPr>
-            <a:normAutofit/>
+            <a:normAutofit lnSpcReduction="10000"/>
           </a:bodyPr>
           <a:lstStyle/>
           <a:p>
@@ -4844,84 +4809,60 @@
             <a:pPr lvl="0">
               <a:defRPr/>
             </a:pPr>
-            <a:endParaRPr lang="en-US" altLang="ko-KR" dirty="0"/>
+            <a:endParaRPr lang="en-US" altLang="ko-KR"/>
           </a:p>
           <a:p>
             <a:pPr lvl="0">
               <a:defRPr/>
             </a:pPr>
-            <a:endParaRPr lang="en-US" altLang="ko-KR" dirty="0"/>
+            <a:endParaRPr lang="en-US" altLang="ko-KR"/>
           </a:p>
           <a:p>
             <a:pPr lvl="0">
               <a:defRPr/>
             </a:pPr>
-            <a:endParaRPr lang="en-US" altLang="ko-KR" dirty="0"/>
+            <a:endParaRPr lang="en-US" altLang="ko-KR"/>
           </a:p>
           <a:p>
             <a:pPr lvl="0">
               <a:defRPr/>
             </a:pPr>
-            <a:endParaRPr lang="en-US" altLang="ko-KR" dirty="0"/>
+            <a:endParaRPr lang="en-US" altLang="ko-KR"/>
           </a:p>
           <a:p>
             <a:pPr lvl="0">
               <a:defRPr/>
             </a:pPr>
-            <a:r>
-              <a:rPr lang="en-US" altLang="ko-KR" dirty="0">
-                <a:hlinkClick r:id="rId2"/>
-              </a:rPr>
-              <a:t>https://docs.python.org/ko/3/library/stdtypes.html?highlight=str#str</a:t>
-            </a:r>
-            <a:endParaRPr lang="en-US" altLang="ko-KR" dirty="0"/>
+            <a:endParaRPr lang="en-US" altLang="ko-KR"/>
           </a:p>
           <a:p>
             <a:pPr lvl="0">
               <a:defRPr/>
             </a:pPr>
-            <a:r>
-              <a:rPr lang="en-US" altLang="ko-KR" dirty="0"/>
-              <a:t>https://docs.python.org/ko/3/library/string.html?highlight=string%20method</a:t>
-            </a:r>
-            <a:endParaRPr lang="ko-KR" altLang="en-US" dirty="0"/>
-          </a:p>
-        </p:txBody>
-      </p:sp>
-      <p:pic>
-        <p:nvPicPr>
-          <p:cNvPr id="4" name="그림 3"/>
-          <p:cNvPicPr>
-            <a:picLocks noChangeAspect="1"/>
-          </p:cNvPicPr>
-          <p:nvPr/>
-        </p:nvPicPr>
-        <p:blipFill rotWithShape="1">
-          <a:blip r:embed="rId3"/>
-          <a:stretch>
-            <a:fillRect/>
-          </a:stretch>
-        </p:blipFill>
-        <p:spPr>
-          <a:xfrm>
-            <a:off x="1341288" y="3019358"/>
-            <a:ext cx="6903120" cy="1201730"/>
-          </a:xfrm>
-          <a:prstGeom prst="rect">
-            <a:avLst/>
-          </a:prstGeom>
-        </p:spPr>
-      </p:pic>
+            <a:endParaRPr lang="en-US" altLang="ko-KR"/>
+          </a:p>
+          <a:p>
+            <a:pPr lvl="0">
+              <a:defRPr/>
+            </a:pPr>
+            <a:r>
+              <a:rPr lang="en-US" altLang="ko-KR"/>
+              <a:t>https://docs.python.org/ko/3/tutorial/datastructures.html#more-on-lists</a:t>
+            </a:r>
+            <a:endParaRPr lang="en-US" altLang="ko-KR"/>
+          </a:p>
+        </p:txBody>
+      </p:sp>
     </p:spTree>
   </p:cSld>
   <p:clrMapOvr>
     <a:masterClrMapping/>
   </p:clrMapOvr>
-  <mc:AlternateContent xmlns:mc="http://schemas.openxmlformats.org/markup-compatibility/2006" xmlns:p14="http://schemas.microsoft.com/office/powerpoint/2010/main">
-    <mc:Choice Requires="p14">
-      <p:transition/>
+  <mc:AlternateContent xmlns:mc="http://schemas.openxmlformats.org/markup-compatibility/2006">
+    <mc:Choice xmlns:p14="http://schemas.microsoft.com/office/powerpoint/2010/main" Requires="p14">
+      <p:transition xmlns:mc="http://schemas.openxmlformats.org/markup-compatibility/2006" xmlns:p14="http://schemas.microsoft.com/office/powerpoint/2010/main" mc:Ignorable="p14" p14:dur="500"/>
     </mc:Choice>
-    <mc:Fallback xmlns:dsp="http://schemas.microsoft.com/office/drawing/2008/diagram" xmlns:dgm="http://schemas.openxmlformats.org/drawingml/2006/diagram" xmlns:c="http://schemas.openxmlformats.org/drawingml/2006/chart" xmlns="">
+    <mc:Fallback>
       <p:transition/>
     </mc:Fallback>
   </mc:AlternateContent>
@@ -4936,29 +4877,29 @@
 </file>
 
 <file path=ppt/theme/theme1.xml><?xml version="1.0" encoding="utf-8"?>
-<a:theme xmlns:a="http://schemas.openxmlformats.org/drawingml/2006/main" name="균형">
+<a:theme xmlns:r="http://schemas.openxmlformats.org/officeDocument/2006/relationships" xmlns:c="http://schemas.openxmlformats.org/drawingml/2006/chart" xmlns:dgm="http://schemas.openxmlformats.org/drawingml/2006/diagram" xmlns:dsp="http://schemas.microsoft.com/office/drawing/2008/diagram" xmlns:a="http://schemas.openxmlformats.org/drawingml/2006/main" xmlns:pic="http://schemas.openxmlformats.org/drawingml/2006/picture" xmlns:wp="http://schemas.openxmlformats.org/drawingml/2006/wordprocessingDrawing" xmlns:xdr="http://schemas.openxmlformats.org/drawingml/2006/spreadsheetDrawing" xmlns:p="http://schemas.openxmlformats.org/presentationml/2006/main" name="균형">
   <a:themeElements>
     <a:clrScheme name="균형">
       <a:dk1>
         <a:sysClr val="windowText" lastClr="000000"/>
       </a:dk1>
       <a:lt1>
-        <a:sysClr val="window" lastClr="FFFFFF"/>
+        <a:sysClr val="window" lastClr="ffffff"/>
       </a:lt1>
       <a:dk2>
         <a:srgbClr val="696464"/>
       </a:dk2>
       <a:lt2>
-        <a:srgbClr val="E9E5DC"/>
+        <a:srgbClr val="e9e5dc"/>
       </a:lt2>
       <a:accent1>
-        <a:srgbClr val="D34817"/>
+        <a:srgbClr val="d34817"/>
       </a:accent1>
       <a:accent2>
-        <a:srgbClr val="9B2D1F"/>
+        <a:srgbClr val="9b2d1f"/>
       </a:accent2>
       <a:accent3>
-        <a:srgbClr val="A28E6A"/>
+        <a:srgbClr val="a28e6a"/>
       </a:accent3>
       <a:accent4>
         <a:srgbClr val="956251"/>
@@ -4967,13 +4908,13 @@
         <a:srgbClr val="918485"/>
       </a:accent5>
       <a:accent6>
-        <a:srgbClr val="855D5D"/>
+        <a:srgbClr val="855d5d"/>
       </a:accent6>
       <a:hlink>
-        <a:srgbClr val="CC9900"/>
+        <a:srgbClr val="cc9900"/>
       </a:hlink>
       <a:folHlink>
-        <a:srgbClr val="96A9A9"/>
+        <a:srgbClr val="96a9a9"/>
       </a:folHlink>
     </a:clrScheme>
     <a:fontScheme name="눈금">
@@ -5054,7 +4995,7 @@
           <a:schemeClr val="phClr"/>
         </a:solidFill>
         <a:blipFill rotWithShape="1">
-          <a:blip xmlns:r="http://schemas.openxmlformats.org/officeDocument/2006/relationships" r:embed="rId1">
+          <a:blip r:embed="rId1">
             <a:duotone>
               <a:schemeClr val="phClr">
                 <a:tint val="30000"/>
@@ -5069,7 +5010,7 @@
           <a:tile tx="0" ty="0" sx="70000" sy="70000" flip="none" algn="ctr"/>
         </a:blipFill>
         <a:blipFill rotWithShape="1">
-          <a:blip xmlns:r="http://schemas.openxmlformats.org/officeDocument/2006/relationships" r:embed="rId1">
+          <a:blip r:embed="rId2">
             <a:duotone>
               <a:schemeClr val="phClr">
                 <a:shade val="22000"/>
@@ -5181,7 +5122,7 @@
           <a:lin ang="16200000" scaled="1"/>
         </a:gradFill>
         <a:blipFill rotWithShape="1">
-          <a:blip xmlns:r="http://schemas.openxmlformats.org/officeDocument/2006/relationships" r:embed="rId1">
+          <a:blip r:embed="rId3">
             <a:duotone>
               <a:schemeClr val="phClr">
                 <a:tint val="95000"/>
@@ -5198,7 +5139,5 @@
       </a:bgFillStyleLst>
     </a:fmtScheme>
   </a:themeElements>
-  <a:objectDefaults/>
-  <a:extraClrSchemeLst/>
 </a:theme>
 </file>